--- a/doc/designDoc.pptx
+++ b/doc/designDoc.pptx
@@ -3348,6 +3348,56 @@
           <a:chExt cx="0" cy="0"/>
         </a:xfrm>
       </p:grpSpPr>
+      <p:sp>
+        <p:nvSpPr>
+          <p:cNvPr id="2" name="Rectangle 1">
+            <a:extLst>
+              <a:ext uri="{FF2B5EF4-FFF2-40B4-BE49-F238E27FC236}">
+                <a16:creationId xmlns:a16="http://schemas.microsoft.com/office/drawing/2014/main" id="{ED07DED3-2520-7B9B-5EDE-3E4A5B988718}"/>
+              </a:ext>
+            </a:extLst>
+          </p:cNvPr>
+          <p:cNvSpPr/>
+          <p:nvPr/>
+        </p:nvSpPr>
+        <p:spPr>
+          <a:xfrm>
+            <a:off x="1225899" y="512467"/>
+            <a:ext cx="7998488" cy="5817996"/>
+          </a:xfrm>
+          <a:prstGeom prst="rect">
+            <a:avLst/>
+          </a:prstGeom>
+          <a:noFill/>
+          <a:ln>
+            <a:prstDash val="sysDash"/>
+          </a:ln>
+        </p:spPr>
+        <p:style>
+          <a:lnRef idx="2">
+            <a:schemeClr val="accent1">
+              <a:shade val="15000"/>
+            </a:schemeClr>
+          </a:lnRef>
+          <a:fillRef idx="1">
+            <a:schemeClr val="accent1"/>
+          </a:fillRef>
+          <a:effectRef idx="0">
+            <a:schemeClr val="accent1"/>
+          </a:effectRef>
+          <a:fontRef idx="minor">
+            <a:schemeClr val="lt1"/>
+          </a:fontRef>
+        </p:style>
+        <p:txBody>
+          <a:bodyPr rtlCol="0" anchor="ctr"/>
+          <a:lstStyle/>
+          <a:p>
+            <a:pPr algn="ctr"/>
+            <a:endParaRPr lang="en-SG"/>
+          </a:p>
+        </p:txBody>
+      </p:sp>
       <p:pic>
         <p:nvPicPr>
           <p:cNvPr id="4" name="Picture 3">
@@ -3369,7 +3419,7 @@
         </p:blipFill>
         <p:spPr>
           <a:xfrm>
-            <a:off x="932890" y="1308825"/>
+            <a:off x="2203256" y="1308825"/>
             <a:ext cx="2276246" cy="567880"/>
           </a:xfrm>
           <a:prstGeom prst="rect">
@@ -3399,7 +3449,7 @@
         </p:blipFill>
         <p:spPr>
           <a:xfrm>
-            <a:off x="3629514" y="1308825"/>
+            <a:off x="4899880" y="1308825"/>
             <a:ext cx="495448" cy="567880"/>
           </a:xfrm>
           <a:prstGeom prst="rect">
@@ -3421,7 +3471,7 @@
         </p:nvSpPr>
         <p:spPr>
           <a:xfrm>
-            <a:off x="870568" y="990248"/>
+            <a:off x="2140934" y="990248"/>
             <a:ext cx="983897" cy="307777"/>
           </a:xfrm>
           <a:prstGeom prst="rect">
@@ -3457,7 +3507,7 @@
         </p:nvSpPr>
         <p:spPr>
           <a:xfrm>
-            <a:off x="3301911" y="1001048"/>
+            <a:off x="4572277" y="1001048"/>
             <a:ext cx="1897306" cy="307777"/>
           </a:xfrm>
           <a:prstGeom prst="rect">
@@ -3493,7 +3543,7 @@
         </p:nvSpPr>
         <p:spPr>
           <a:xfrm>
-            <a:off x="2473660" y="2231764"/>
+            <a:off x="3744026" y="2231764"/>
             <a:ext cx="1470952" cy="346917"/>
           </a:xfrm>
           <a:prstGeom prst="rect">
@@ -3544,7 +3594,7 @@
         </p:nvCxnSpPr>
         <p:spPr>
           <a:xfrm>
-            <a:off x="2667031" y="1876705"/>
+            <a:off x="3937397" y="1876705"/>
             <a:ext cx="0" cy="334763"/>
           </a:xfrm>
           <a:prstGeom prst="straightConnector1">
@@ -3585,7 +3635,7 @@
         </p:nvCxnSpPr>
         <p:spPr>
           <a:xfrm>
-            <a:off x="3785560" y="1876705"/>
+            <a:off x="5055926" y="1876705"/>
             <a:ext cx="0" cy="334763"/>
           </a:xfrm>
           <a:prstGeom prst="straightConnector1">
@@ -3626,7 +3676,7 @@
         </p:nvCxnSpPr>
         <p:spPr>
           <a:xfrm>
-            <a:off x="3209136" y="2578681"/>
+            <a:off x="4479502" y="2578681"/>
             <a:ext cx="0" cy="204135"/>
           </a:xfrm>
           <a:prstGeom prst="straightConnector1">
@@ -3667,7 +3717,7 @@
         </p:nvCxnSpPr>
         <p:spPr>
           <a:xfrm>
-            <a:off x="4147118" y="3194720"/>
+            <a:off x="5417484" y="3194720"/>
             <a:ext cx="0" cy="234280"/>
           </a:xfrm>
           <a:prstGeom prst="straightConnector1">
@@ -3706,7 +3756,7 @@
         </p:nvSpPr>
         <p:spPr>
           <a:xfrm>
-            <a:off x="2163788" y="2828310"/>
+            <a:off x="3434154" y="2828310"/>
             <a:ext cx="2276246" cy="346917"/>
           </a:xfrm>
           <a:prstGeom prst="rect">
@@ -3755,7 +3805,7 @@
         </p:nvSpPr>
         <p:spPr>
           <a:xfrm>
-            <a:off x="3877238" y="3452354"/>
+            <a:off x="5147604" y="3452354"/>
             <a:ext cx="2276246" cy="346917"/>
           </a:xfrm>
           <a:prstGeom prst="rect">
@@ -3804,7 +3854,7 @@
         </p:nvSpPr>
         <p:spPr>
           <a:xfrm>
-            <a:off x="1414181" y="3438570"/>
+            <a:off x="2684547" y="3438570"/>
             <a:ext cx="2118958" cy="346917"/>
           </a:xfrm>
           <a:prstGeom prst="rect">
@@ -3855,7 +3905,7 @@
         </p:nvCxnSpPr>
         <p:spPr>
           <a:xfrm>
-            <a:off x="2742024" y="3175227"/>
+            <a:off x="4012390" y="3175227"/>
             <a:ext cx="0" cy="234280"/>
           </a:xfrm>
           <a:prstGeom prst="straightConnector1">
@@ -3894,7 +3944,7 @@
         </p:nvSpPr>
         <p:spPr>
           <a:xfrm>
-            <a:off x="1378455" y="4245640"/>
+            <a:off x="2648821" y="4245640"/>
             <a:ext cx="5493014" cy="912545"/>
           </a:xfrm>
           <a:prstGeom prst="rect">
@@ -3944,7 +3994,7 @@
         </p:nvSpPr>
         <p:spPr>
           <a:xfrm>
-            <a:off x="1553836" y="4413919"/>
+            <a:off x="2824202" y="4413919"/>
             <a:ext cx="749792" cy="346917"/>
           </a:xfrm>
           <a:prstGeom prst="rect">
@@ -3998,7 +4048,7 @@
         </p:nvSpPr>
         <p:spPr>
           <a:xfrm>
-            <a:off x="3215855" y="4413918"/>
+            <a:off x="4486221" y="4413918"/>
             <a:ext cx="749792" cy="346917"/>
           </a:xfrm>
           <a:prstGeom prst="rect">
@@ -4052,7 +4102,7 @@
         </p:nvSpPr>
         <p:spPr>
           <a:xfrm>
-            <a:off x="2501332" y="4407027"/>
+            <a:off x="3771698" y="4407027"/>
             <a:ext cx="565523" cy="346917"/>
           </a:xfrm>
           <a:prstGeom prst="rect">
@@ -4106,7 +4156,7 @@
         </p:nvSpPr>
         <p:spPr>
           <a:xfrm>
-            <a:off x="5226699" y="4435993"/>
+            <a:off x="6497065" y="4435993"/>
             <a:ext cx="1423569" cy="346917"/>
           </a:xfrm>
           <a:prstGeom prst="rect">
@@ -4160,7 +4210,7 @@
         </p:nvSpPr>
         <p:spPr>
           <a:xfrm>
-            <a:off x="4092577" y="4396053"/>
+            <a:off x="5362943" y="4396053"/>
             <a:ext cx="968786" cy="461665"/>
           </a:xfrm>
           <a:prstGeom prst="rect">
@@ -4203,7 +4253,7 @@
         </p:nvSpPr>
         <p:spPr>
           <a:xfrm>
-            <a:off x="5203942" y="4843979"/>
+            <a:off x="6474308" y="4843979"/>
             <a:ext cx="1794457" cy="307777"/>
           </a:xfrm>
           <a:prstGeom prst="rect">
@@ -4242,7 +4292,7 @@
         </p:nvSpPr>
         <p:spPr>
           <a:xfrm>
-            <a:off x="4440034" y="2149757"/>
+            <a:off x="5710400" y="2149757"/>
             <a:ext cx="1296126" cy="461665"/>
           </a:xfrm>
           <a:prstGeom prst="rect">
@@ -4287,7 +4337,7 @@
         </p:nvCxnSpPr>
         <p:spPr>
           <a:xfrm flipV="1">
-            <a:off x="3944612" y="2405222"/>
+            <a:off x="5214978" y="2405222"/>
             <a:ext cx="495422" cy="1"/>
           </a:xfrm>
           <a:prstGeom prst="straightConnector1">
@@ -4335,7 +4385,7 @@
         </p:nvCxnSpPr>
         <p:spPr>
           <a:xfrm>
-            <a:off x="1928732" y="3829415"/>
+            <a:off x="3199098" y="3829415"/>
             <a:ext cx="0" cy="521520"/>
           </a:xfrm>
           <a:prstGeom prst="straightConnector1">
@@ -4376,7 +4426,7 @@
         </p:nvCxnSpPr>
         <p:spPr>
           <a:xfrm>
-            <a:off x="2678203" y="3829415"/>
+            <a:off x="3948569" y="3829415"/>
             <a:ext cx="0" cy="521520"/>
           </a:xfrm>
           <a:prstGeom prst="straightConnector1">
@@ -4417,7 +4467,7 @@
         </p:nvCxnSpPr>
         <p:spPr>
           <a:xfrm>
-            <a:off x="3301911" y="3829415"/>
+            <a:off x="4572277" y="3829415"/>
             <a:ext cx="0" cy="521520"/>
           </a:xfrm>
           <a:prstGeom prst="straightConnector1">
@@ -4458,7 +4508,7 @@
         </p:nvCxnSpPr>
         <p:spPr>
           <a:xfrm>
-            <a:off x="3533139" y="3829415"/>
+            <a:off x="4803505" y="3829415"/>
             <a:ext cx="717425" cy="566638"/>
           </a:xfrm>
           <a:prstGeom prst="straightConnector1">
@@ -4499,7 +4549,7 @@
         </p:nvCxnSpPr>
         <p:spPr>
           <a:xfrm>
-            <a:off x="5376992" y="3799271"/>
+            <a:off x="6647358" y="3799271"/>
             <a:ext cx="0" cy="607756"/>
           </a:xfrm>
           <a:prstGeom prst="straightConnector1">
@@ -4538,7 +4588,7 @@
         </p:nvSpPr>
         <p:spPr>
           <a:xfrm>
-            <a:off x="2034788" y="5496761"/>
+            <a:off x="3305154" y="5496761"/>
             <a:ext cx="1421843" cy="346917"/>
           </a:xfrm>
           <a:prstGeom prst="rect">
@@ -4589,7 +4639,7 @@
         </p:nvCxnSpPr>
         <p:spPr>
           <a:xfrm>
-            <a:off x="2163788" y="4857718"/>
+            <a:off x="3434154" y="4857718"/>
             <a:ext cx="0" cy="608585"/>
           </a:xfrm>
           <a:prstGeom prst="straightConnector1">
@@ -4630,7 +4680,7 @@
         </p:nvCxnSpPr>
         <p:spPr>
           <a:xfrm>
-            <a:off x="2784093" y="4850409"/>
+            <a:off x="4054459" y="4850409"/>
             <a:ext cx="0" cy="608585"/>
           </a:xfrm>
           <a:prstGeom prst="straightConnector1">
@@ -4671,7 +4721,7 @@
         </p:nvCxnSpPr>
         <p:spPr>
           <a:xfrm flipH="1">
-            <a:off x="3301911" y="4789801"/>
+            <a:off x="4572277" y="4789801"/>
             <a:ext cx="2195661" cy="608585"/>
           </a:xfrm>
           <a:prstGeom prst="straightConnector1">
@@ -4710,7 +4760,7 @@
         </p:nvSpPr>
         <p:spPr>
           <a:xfrm>
-            <a:off x="3832227" y="5496760"/>
+            <a:off x="5102593" y="5496760"/>
             <a:ext cx="1135028" cy="346917"/>
           </a:xfrm>
           <a:prstGeom prst="rect">
@@ -4763,7 +4813,7 @@
         </p:nvCxnSpPr>
         <p:spPr>
           <a:xfrm flipV="1">
-            <a:off x="3456631" y="5670219"/>
+            <a:off x="4726997" y="5670219"/>
             <a:ext cx="375596" cy="1"/>
           </a:xfrm>
           <a:prstGeom prst="straightConnector1">
@@ -4804,7 +4854,7 @@
         </p:nvCxnSpPr>
         <p:spPr>
           <a:xfrm flipV="1">
-            <a:off x="4967255" y="5664452"/>
+            <a:off x="6237621" y="5664452"/>
             <a:ext cx="375596" cy="1"/>
           </a:xfrm>
           <a:prstGeom prst="straightConnector1">
@@ -4843,7 +4893,7 @@
         </p:nvSpPr>
         <p:spPr>
           <a:xfrm>
-            <a:off x="5384123" y="5543799"/>
+            <a:off x="6654489" y="5543799"/>
             <a:ext cx="711877" cy="276999"/>
           </a:xfrm>
           <a:prstGeom prst="rect">
@@ -4886,7 +4936,7 @@
         </p:nvSpPr>
         <p:spPr>
           <a:xfrm>
-            <a:off x="915406" y="2117016"/>
+            <a:off x="2185772" y="2117016"/>
             <a:ext cx="983897" cy="461665"/>
           </a:xfrm>
           <a:prstGeom prst="rect">
@@ -4932,7 +4982,7 @@
         </p:nvCxnSpPr>
         <p:spPr>
           <a:xfrm flipH="1">
-            <a:off x="1899303" y="2346905"/>
+            <a:off x="3169669" y="2346905"/>
             <a:ext cx="574357" cy="944"/>
           </a:xfrm>
           <a:prstGeom prst="straightConnector1">
@@ -4980,7 +5030,7 @@
         </p:nvCxnSpPr>
         <p:spPr>
           <a:xfrm rot="10800000" flipH="1">
-            <a:off x="1378455" y="2578681"/>
+            <a:off x="2648821" y="2578681"/>
             <a:ext cx="28900" cy="2123232"/>
           </a:xfrm>
           <a:prstGeom prst="bentConnector4">
